--- a/Apresentacao_Spring_Security_JWT.pptx
+++ b/Apresentacao_Spring_Security_JWT.pptx
@@ -5505,12 +5505,12 @@
               <a:t>Postman</a:t>
             </a:r>
             <a:r>
-              <a:rPr lang="pt-BR" sz="1400" dirty="0">
+              <a:rPr lang="pt-BR" dirty="0">
                 <a:solidFill>
                   <a:schemeClr val="bg1"/>
                 </a:solidFill>
               </a:rPr>
-              <a:t>/</a:t>
+              <a:t> ou </a:t>
             </a:r>
             <a:r>
               <a:rPr lang="pt-BR" sz="1400" dirty="0" err="1">
@@ -5519,6 +5519,14 @@
                 </a:solidFill>
               </a:rPr>
               <a:t>Insomnia</a:t>
+            </a:r>
+            <a:r>
+              <a:rPr lang="pt-BR" sz="1400">
+                <a:solidFill>
+                  <a:schemeClr val="bg1"/>
+                </a:solidFill>
+              </a:rPr>
+              <a:t>;</a:t>
             </a:r>
             <a:endParaRPr lang="pt-BR" sz="1400" dirty="0">
               <a:solidFill>
